--- a/1.7 and 1.8 documentation  1.pptx
+++ b/1.7 and 1.8 documentation  1.pptx
@@ -139,7 +139,7 @@
   <pc:docChgLst>
     <pc:chgData name="Thomas Xu" userId="72a40c57-58f8-4deb-8f71-c52d4941dc1d" providerId="ADAL" clId="{62E4E599-55AB-4BA6-BF69-3CFAB1E03905}"/>
     <pc:docChg chg="undo redo custSel modSld">
-      <pc:chgData name="Thomas Xu" userId="72a40c57-58f8-4deb-8f71-c52d4941dc1d" providerId="ADAL" clId="{62E4E599-55AB-4BA6-BF69-3CFAB1E03905}" dt="2023-05-10T23:07:01.367" v="260" actId="1076"/>
+      <pc:chgData name="Thomas Xu" userId="72a40c57-58f8-4deb-8f71-c52d4941dc1d" providerId="ADAL" clId="{62E4E599-55AB-4BA6-BF69-3CFAB1E03905}" dt="2023-05-12T02:28:02.114" v="261" actId="1076"/>
       <pc:docMkLst>
         <pc:docMk/>
       </pc:docMkLst>
@@ -159,7 +159,7 @@
         </pc:spChg>
       </pc:sldChg>
       <pc:sldChg chg="modSp mod">
-        <pc:chgData name="Thomas Xu" userId="72a40c57-58f8-4deb-8f71-c52d4941dc1d" providerId="ADAL" clId="{62E4E599-55AB-4BA6-BF69-3CFAB1E03905}" dt="2023-04-28T02:36:50.319" v="141" actId="313"/>
+        <pc:chgData name="Thomas Xu" userId="72a40c57-58f8-4deb-8f71-c52d4941dc1d" providerId="ADAL" clId="{62E4E599-55AB-4BA6-BF69-3CFAB1E03905}" dt="2023-05-12T02:28:02.114" v="261" actId="1076"/>
         <pc:sldMkLst>
           <pc:docMk/>
           <pc:sldMk cId="3838895173" sldId="258"/>
@@ -173,7 +173,7 @@
           </ac:spMkLst>
         </pc:spChg>
         <pc:spChg chg="mod">
-          <ac:chgData name="Thomas Xu" userId="72a40c57-58f8-4deb-8f71-c52d4941dc1d" providerId="ADAL" clId="{62E4E599-55AB-4BA6-BF69-3CFAB1E03905}" dt="2023-04-26T23:45:19.176" v="80" actId="14100"/>
+          <ac:chgData name="Thomas Xu" userId="72a40c57-58f8-4deb-8f71-c52d4941dc1d" providerId="ADAL" clId="{62E4E599-55AB-4BA6-BF69-3CFAB1E03905}" dt="2023-05-12T02:28:02.114" v="261" actId="1076"/>
           <ac:spMkLst>
             <pc:docMk/>
             <pc:sldMk cId="3838895173" sldId="258"/>
@@ -306,7 +306,7 @@
           <a:p>
             <a:fld id="{F37D28C0-BEB6-42B0-A203-EEE1023219C4}" type="datetimeFigureOut">
               <a:rPr lang="en-NZ" smtClean="0"/>
-              <a:t>11/05/2023</a:t>
+              <a:t>12/05/2023</a:t>
             </a:fld>
             <a:endParaRPr lang="en-NZ"/>
           </a:p>
@@ -1707,7 +1707,7 @@
           <a:p>
             <a:fld id="{9C4A4F43-1C06-40E6-8F87-8B286982E50E}" type="datetimeFigureOut">
               <a:rPr lang="en-NZ" smtClean="0"/>
-              <a:t>11/05/2023</a:t>
+              <a:t>12/05/2023</a:t>
             </a:fld>
             <a:endParaRPr lang="en-NZ" dirty="0"/>
           </a:p>
@@ -1907,7 +1907,7 @@
           <a:p>
             <a:fld id="{9C4A4F43-1C06-40E6-8F87-8B286982E50E}" type="datetimeFigureOut">
               <a:rPr lang="en-NZ" smtClean="0"/>
-              <a:t>11/05/2023</a:t>
+              <a:t>12/05/2023</a:t>
             </a:fld>
             <a:endParaRPr lang="en-NZ" dirty="0"/>
           </a:p>
@@ -2117,7 +2117,7 @@
           <a:p>
             <a:fld id="{9C4A4F43-1C06-40E6-8F87-8B286982E50E}" type="datetimeFigureOut">
               <a:rPr lang="en-NZ" smtClean="0"/>
-              <a:t>11/05/2023</a:t>
+              <a:t>12/05/2023</a:t>
             </a:fld>
             <a:endParaRPr lang="en-NZ" dirty="0"/>
           </a:p>
@@ -2676,7 +2676,7 @@
           <a:p>
             <a:fld id="{9C4A4F43-1C06-40E6-8F87-8B286982E50E}" type="datetimeFigureOut">
               <a:rPr lang="en-NZ" smtClean="0"/>
-              <a:t>11/05/2023</a:t>
+              <a:t>12/05/2023</a:t>
             </a:fld>
             <a:endParaRPr lang="en-NZ" dirty="0"/>
           </a:p>
@@ -2952,7 +2952,7 @@
           <a:p>
             <a:fld id="{9C4A4F43-1C06-40E6-8F87-8B286982E50E}" type="datetimeFigureOut">
               <a:rPr lang="en-NZ" smtClean="0"/>
-              <a:t>11/05/2023</a:t>
+              <a:t>12/05/2023</a:t>
             </a:fld>
             <a:endParaRPr lang="en-NZ" dirty="0"/>
           </a:p>
@@ -3220,7 +3220,7 @@
           <a:p>
             <a:fld id="{9C4A4F43-1C06-40E6-8F87-8B286982E50E}" type="datetimeFigureOut">
               <a:rPr lang="en-NZ" smtClean="0"/>
-              <a:t>11/05/2023</a:t>
+              <a:t>12/05/2023</a:t>
             </a:fld>
             <a:endParaRPr lang="en-NZ" dirty="0"/>
           </a:p>
@@ -3635,7 +3635,7 @@
           <a:p>
             <a:fld id="{9C4A4F43-1C06-40E6-8F87-8B286982E50E}" type="datetimeFigureOut">
               <a:rPr lang="en-NZ" smtClean="0"/>
-              <a:t>11/05/2023</a:t>
+              <a:t>12/05/2023</a:t>
             </a:fld>
             <a:endParaRPr lang="en-NZ" dirty="0"/>
           </a:p>
@@ -3777,7 +3777,7 @@
           <a:p>
             <a:fld id="{9C4A4F43-1C06-40E6-8F87-8B286982E50E}" type="datetimeFigureOut">
               <a:rPr lang="en-NZ" smtClean="0"/>
-              <a:t>11/05/2023</a:t>
+              <a:t>12/05/2023</a:t>
             </a:fld>
             <a:endParaRPr lang="en-NZ" dirty="0"/>
           </a:p>
@@ -3890,7 +3890,7 @@
           <a:p>
             <a:fld id="{9C4A4F43-1C06-40E6-8F87-8B286982E50E}" type="datetimeFigureOut">
               <a:rPr lang="en-NZ" smtClean="0"/>
-              <a:t>11/05/2023</a:t>
+              <a:t>12/05/2023</a:t>
             </a:fld>
             <a:endParaRPr lang="en-NZ" dirty="0"/>
           </a:p>
@@ -4203,7 +4203,7 @@
           <a:p>
             <a:fld id="{9C4A4F43-1C06-40E6-8F87-8B286982E50E}" type="datetimeFigureOut">
               <a:rPr lang="en-NZ" smtClean="0"/>
-              <a:t>11/05/2023</a:t>
+              <a:t>12/05/2023</a:t>
             </a:fld>
             <a:endParaRPr lang="en-NZ" dirty="0"/>
           </a:p>
@@ -4492,7 +4492,7 @@
           <a:p>
             <a:fld id="{9C4A4F43-1C06-40E6-8F87-8B286982E50E}" type="datetimeFigureOut">
               <a:rPr lang="en-NZ" smtClean="0"/>
-              <a:t>11/05/2023</a:t>
+              <a:t>12/05/2023</a:t>
             </a:fld>
             <a:endParaRPr lang="en-NZ" dirty="0"/>
           </a:p>
@@ -4735,7 +4735,7 @@
           <a:p>
             <a:fld id="{9C4A4F43-1C06-40E6-8F87-8B286982E50E}" type="datetimeFigureOut">
               <a:rPr lang="en-NZ" smtClean="0"/>
-              <a:t>11/05/2023</a:t>
+              <a:t>12/05/2023</a:t>
             </a:fld>
             <a:endParaRPr lang="en-NZ" dirty="0"/>
           </a:p>
@@ -5776,7 +5776,7 @@
         </p:nvSpPr>
         <p:spPr>
           <a:xfrm>
-            <a:off x="1693460" y="1914475"/>
+            <a:off x="1693460" y="1587903"/>
             <a:ext cx="8520600" cy="2330954"/>
           </a:xfrm>
           <a:prstGeom prst="rect">
@@ -7942,15 +7942,6 @@
 </file>
 
 <file path=customXml/item1.xml><?xml version="1.0" encoding="utf-8"?>
-<?mso-contentType ?>
-<FormTemplates xmlns="http://schemas.microsoft.com/sharepoint/v3/contenttype/forms">
-  <Display>DocumentLibraryForm</Display>
-  <Edit>DocumentLibraryForm</Edit>
-  <New>DocumentLibraryForm</New>
-</FormTemplates>
-</file>
-
-<file path=customXml/item2.xml><?xml version="1.0" encoding="utf-8"?>
 <p:properties xmlns:p="http://schemas.microsoft.com/office/2006/metadata/properties" xmlns:xsi="http://www.w3.org/2001/XMLSchema-instance" xmlns:pc="http://schemas.microsoft.com/office/infopath/2007/PartnerControls">
   <documentManagement>
     <ReferenceId xmlns="949e0c8c-cceb-456a-9144-0af4fdad0b5c" xsi:nil="true"/>
@@ -7960,6 +7951,15 @@
     </lcf76f155ced4ddcb4097134ff3c332f>
   </documentManagement>
 </p:properties>
+</file>
+
+<file path=customXml/item2.xml><?xml version="1.0" encoding="utf-8"?>
+<?mso-contentType ?>
+<FormTemplates xmlns="http://schemas.microsoft.com/sharepoint/v3/contenttype/forms">
+  <Display>DocumentLibraryForm</Display>
+  <Edit>DocumentLibraryForm</Edit>
+  <New>DocumentLibraryForm</New>
+</FormTemplates>
 </file>
 
 <file path=customXml/item3.xml><?xml version="1.0" encoding="utf-8"?>
@@ -8146,26 +8146,26 @@
 </file>
 
 <file path=customXml/itemProps1.xml><?xml version="1.0" encoding="utf-8"?>
-<ds:datastoreItem xmlns:ds="http://schemas.openxmlformats.org/officeDocument/2006/customXml" ds:itemID="{996D3308-852E-4C8B-B252-FF4AAFB3F53B}">
+<ds:datastoreItem xmlns:ds="http://schemas.openxmlformats.org/officeDocument/2006/customXml" ds:itemID="{D3E43842-9024-4A34-8C28-3EA5A3BEB66C}">
   <ds:schemaRefs>
-    <ds:schemaRef ds:uri="http://schemas.microsoft.com/sharepoint/v3/contenttype/forms"/>
+    <ds:schemaRef ds:uri="http://schemas.microsoft.com/office/2006/metadata/properties"/>
+    <ds:schemaRef ds:uri="http://purl.org/dc/elements/1.1/"/>
+    <ds:schemaRef ds:uri="http://schemas.microsoft.com/office/infopath/2007/PartnerControls"/>
+    <ds:schemaRef ds:uri="http://schemas.microsoft.com/office/2006/documentManagement/types"/>
+    <ds:schemaRef ds:uri="http://www.w3.org/XML/1998/namespace"/>
+    <ds:schemaRef ds:uri="http://schemas.openxmlformats.org/package/2006/metadata/core-properties"/>
+    <ds:schemaRef ds:uri="949e0c8c-cceb-456a-9144-0af4fdad0b5c"/>
+    <ds:schemaRef ds:uri="ed9bec95-b259-4913-81c1-242e5ee17671"/>
+    <ds:schemaRef ds:uri="http://purl.org/dc/dcmitype/"/>
+    <ds:schemaRef ds:uri="http://purl.org/dc/terms/"/>
   </ds:schemaRefs>
 </ds:datastoreItem>
 </file>
 
 <file path=customXml/itemProps2.xml><?xml version="1.0" encoding="utf-8"?>
-<ds:datastoreItem xmlns:ds="http://schemas.openxmlformats.org/officeDocument/2006/customXml" ds:itemID="{D3E43842-9024-4A34-8C28-3EA5A3BEB66C}">
+<ds:datastoreItem xmlns:ds="http://schemas.openxmlformats.org/officeDocument/2006/customXml" ds:itemID="{996D3308-852E-4C8B-B252-FF4AAFB3F53B}">
   <ds:schemaRefs>
-    <ds:schemaRef ds:uri="http://schemas.microsoft.com/office/infopath/2007/PartnerControls"/>
-    <ds:schemaRef ds:uri="http://www.w3.org/XML/1998/namespace"/>
-    <ds:schemaRef ds:uri="http://schemas.openxmlformats.org/package/2006/metadata/core-properties"/>
-    <ds:schemaRef ds:uri="949e0c8c-cceb-456a-9144-0af4fdad0b5c"/>
-    <ds:schemaRef ds:uri="http://schemas.microsoft.com/office/2006/documentManagement/types"/>
-    <ds:schemaRef ds:uri="http://purl.org/dc/dcmitype/"/>
-    <ds:schemaRef ds:uri="http://schemas.microsoft.com/office/2006/metadata/properties"/>
-    <ds:schemaRef ds:uri="http://purl.org/dc/elements/1.1/"/>
-    <ds:schemaRef ds:uri="http://purl.org/dc/terms/"/>
-    <ds:schemaRef ds:uri="ed9bec95-b259-4913-81c1-242e5ee17671"/>
+    <ds:schemaRef ds:uri="http://schemas.microsoft.com/sharepoint/v3/contenttype/forms"/>
   </ds:schemaRefs>
 </ds:datastoreItem>
 </file>

--- a/1.7 and 1.8 documentation  1.pptx
+++ b/1.7 and 1.8 documentation  1.pptx
@@ -129,7 +129,7 @@
 <file path=ppt/revisionInfo.xml><?xml version="1.0" encoding="utf-8"?>
 <p1510:revInfo xmlns:a="http://schemas.openxmlformats.org/drawingml/2006/main" xmlns:r="http://schemas.openxmlformats.org/officeDocument/2006/relationships" xmlns:p1510="http://schemas.microsoft.com/office/powerpoint/2015/10/main">
   <p1510:revLst>
-    <p1510:client id="{62E4E599-55AB-4BA6-BF69-3CFAB1E03905}" v="6" dt="2023-05-01T22:09:06.990"/>
+    <p1510:client id="{62E4E599-55AB-4BA6-BF69-3CFAB1E03905}" v="8" dt="2023-05-18T06:43:53.657"/>
   </p1510:revLst>
 </p1510:revInfo>
 </file>
@@ -139,7 +139,7 @@
   <pc:docChgLst>
     <pc:chgData name="Thomas Xu" userId="72a40c57-58f8-4deb-8f71-c52d4941dc1d" providerId="ADAL" clId="{62E4E599-55AB-4BA6-BF69-3CFAB1E03905}"/>
     <pc:docChg chg="undo redo custSel modSld">
-      <pc:chgData name="Thomas Xu" userId="72a40c57-58f8-4deb-8f71-c52d4941dc1d" providerId="ADAL" clId="{62E4E599-55AB-4BA6-BF69-3CFAB1E03905}" dt="2023-05-12T02:28:02.114" v="261" actId="1076"/>
+      <pc:chgData name="Thomas Xu" userId="72a40c57-58f8-4deb-8f71-c52d4941dc1d" providerId="ADAL" clId="{62E4E599-55AB-4BA6-BF69-3CFAB1E03905}" dt="2023-05-18T06:41:37.790" v="262" actId="478"/>
       <pc:docMkLst>
         <pc:docMk/>
       </pc:docMkLst>
@@ -181,8 +181,8 @@
           </ac:spMkLst>
         </pc:spChg>
       </pc:sldChg>
-      <pc:sldChg chg="addSp modSp mod">
-        <pc:chgData name="Thomas Xu" userId="72a40c57-58f8-4deb-8f71-c52d4941dc1d" providerId="ADAL" clId="{62E4E599-55AB-4BA6-BF69-3CFAB1E03905}" dt="2023-05-10T23:07:01.367" v="260" actId="1076"/>
+      <pc:sldChg chg="addSp delSp modSp mod">
+        <pc:chgData name="Thomas Xu" userId="72a40c57-58f8-4deb-8f71-c52d4941dc1d" providerId="ADAL" clId="{62E4E599-55AB-4BA6-BF69-3CFAB1E03905}" dt="2023-05-18T06:41:37.790" v="262" actId="478"/>
         <pc:sldMkLst>
           <pc:docMk/>
           <pc:sldMk cId="0" sldId="268"/>
@@ -195,8 +195,8 @@
             <ac:spMk id="86" creationId="{00000000-0000-0000-0000-000000000000}"/>
           </ac:spMkLst>
         </pc:spChg>
-        <pc:picChg chg="add mod">
-          <ac:chgData name="Thomas Xu" userId="72a40c57-58f8-4deb-8f71-c52d4941dc1d" providerId="ADAL" clId="{62E4E599-55AB-4BA6-BF69-3CFAB1E03905}" dt="2023-05-10T23:07:01.367" v="260" actId="1076"/>
+        <pc:picChg chg="add del mod">
+          <ac:chgData name="Thomas Xu" userId="72a40c57-58f8-4deb-8f71-c52d4941dc1d" providerId="ADAL" clId="{62E4E599-55AB-4BA6-BF69-3CFAB1E03905}" dt="2023-05-18T06:41:37.790" v="262" actId="478"/>
           <ac:picMkLst>
             <pc:docMk/>
             <pc:sldMk cId="0" sldId="268"/>
@@ -306,7 +306,7 @@
           <a:p>
             <a:fld id="{F37D28C0-BEB6-42B0-A203-EEE1023219C4}" type="datetimeFigureOut">
               <a:rPr lang="en-NZ" smtClean="0"/>
-              <a:t>12/05/2023</a:t>
+              <a:t>18/05/2023</a:t>
             </a:fld>
             <a:endParaRPr lang="en-NZ"/>
           </a:p>
@@ -1707,7 +1707,7 @@
           <a:p>
             <a:fld id="{9C4A4F43-1C06-40E6-8F87-8B286982E50E}" type="datetimeFigureOut">
               <a:rPr lang="en-NZ" smtClean="0"/>
-              <a:t>12/05/2023</a:t>
+              <a:t>18/05/2023</a:t>
             </a:fld>
             <a:endParaRPr lang="en-NZ" dirty="0"/>
           </a:p>
@@ -1907,7 +1907,7 @@
           <a:p>
             <a:fld id="{9C4A4F43-1C06-40E6-8F87-8B286982E50E}" type="datetimeFigureOut">
               <a:rPr lang="en-NZ" smtClean="0"/>
-              <a:t>12/05/2023</a:t>
+              <a:t>18/05/2023</a:t>
             </a:fld>
             <a:endParaRPr lang="en-NZ" dirty="0"/>
           </a:p>
@@ -2117,7 +2117,7 @@
           <a:p>
             <a:fld id="{9C4A4F43-1C06-40E6-8F87-8B286982E50E}" type="datetimeFigureOut">
               <a:rPr lang="en-NZ" smtClean="0"/>
-              <a:t>12/05/2023</a:t>
+              <a:t>18/05/2023</a:t>
             </a:fld>
             <a:endParaRPr lang="en-NZ" dirty="0"/>
           </a:p>
@@ -2676,7 +2676,7 @@
           <a:p>
             <a:fld id="{9C4A4F43-1C06-40E6-8F87-8B286982E50E}" type="datetimeFigureOut">
               <a:rPr lang="en-NZ" smtClean="0"/>
-              <a:t>12/05/2023</a:t>
+              <a:t>18/05/2023</a:t>
             </a:fld>
             <a:endParaRPr lang="en-NZ" dirty="0"/>
           </a:p>
@@ -2952,7 +2952,7 @@
           <a:p>
             <a:fld id="{9C4A4F43-1C06-40E6-8F87-8B286982E50E}" type="datetimeFigureOut">
               <a:rPr lang="en-NZ" smtClean="0"/>
-              <a:t>12/05/2023</a:t>
+              <a:t>18/05/2023</a:t>
             </a:fld>
             <a:endParaRPr lang="en-NZ" dirty="0"/>
           </a:p>
@@ -3220,7 +3220,7 @@
           <a:p>
             <a:fld id="{9C4A4F43-1C06-40E6-8F87-8B286982E50E}" type="datetimeFigureOut">
               <a:rPr lang="en-NZ" smtClean="0"/>
-              <a:t>12/05/2023</a:t>
+              <a:t>18/05/2023</a:t>
             </a:fld>
             <a:endParaRPr lang="en-NZ" dirty="0"/>
           </a:p>
@@ -3635,7 +3635,7 @@
           <a:p>
             <a:fld id="{9C4A4F43-1C06-40E6-8F87-8B286982E50E}" type="datetimeFigureOut">
               <a:rPr lang="en-NZ" smtClean="0"/>
-              <a:t>12/05/2023</a:t>
+              <a:t>18/05/2023</a:t>
             </a:fld>
             <a:endParaRPr lang="en-NZ" dirty="0"/>
           </a:p>
@@ -3777,7 +3777,7 @@
           <a:p>
             <a:fld id="{9C4A4F43-1C06-40E6-8F87-8B286982E50E}" type="datetimeFigureOut">
               <a:rPr lang="en-NZ" smtClean="0"/>
-              <a:t>12/05/2023</a:t>
+              <a:t>18/05/2023</a:t>
             </a:fld>
             <a:endParaRPr lang="en-NZ" dirty="0"/>
           </a:p>
@@ -3890,7 +3890,7 @@
           <a:p>
             <a:fld id="{9C4A4F43-1C06-40E6-8F87-8B286982E50E}" type="datetimeFigureOut">
               <a:rPr lang="en-NZ" smtClean="0"/>
-              <a:t>12/05/2023</a:t>
+              <a:t>18/05/2023</a:t>
             </a:fld>
             <a:endParaRPr lang="en-NZ" dirty="0"/>
           </a:p>
@@ -4203,7 +4203,7 @@
           <a:p>
             <a:fld id="{9C4A4F43-1C06-40E6-8F87-8B286982E50E}" type="datetimeFigureOut">
               <a:rPr lang="en-NZ" smtClean="0"/>
-              <a:t>12/05/2023</a:t>
+              <a:t>18/05/2023</a:t>
             </a:fld>
             <a:endParaRPr lang="en-NZ" dirty="0"/>
           </a:p>
@@ -4492,7 +4492,7 @@
           <a:p>
             <a:fld id="{9C4A4F43-1C06-40E6-8F87-8B286982E50E}" type="datetimeFigureOut">
               <a:rPr lang="en-NZ" smtClean="0"/>
-              <a:t>12/05/2023</a:t>
+              <a:t>18/05/2023</a:t>
             </a:fld>
             <a:endParaRPr lang="en-NZ" dirty="0"/>
           </a:p>
@@ -4735,7 +4735,7 @@
           <a:p>
             <a:fld id="{9C4A4F43-1C06-40E6-8F87-8B286982E50E}" type="datetimeFigureOut">
               <a:rPr lang="en-NZ" smtClean="0"/>
-              <a:t>12/05/2023</a:t>
+              <a:t>18/05/2023</a:t>
             </a:fld>
             <a:endParaRPr lang="en-NZ" dirty="0"/>
           </a:p>
@@ -6727,36 +6727,6 @@
           </a:p>
         </p:txBody>
       </p:sp>
-      <p:pic>
-        <p:nvPicPr>
-          <p:cNvPr id="3" name="Picture 2">
-            <a:extLst>
-              <a:ext uri="{FF2B5EF4-FFF2-40B4-BE49-F238E27FC236}">
-                <a16:creationId xmlns:a16="http://schemas.microsoft.com/office/drawing/2014/main" id="{BDE12BC5-AA4C-D375-6741-F0FB60BF1CAC}"/>
-              </a:ext>
-            </a:extLst>
-          </p:cNvPr>
-          <p:cNvPicPr>
-            <a:picLocks noChangeAspect="1"/>
-          </p:cNvPicPr>
-          <p:nvPr/>
-        </p:nvPicPr>
-        <p:blipFill>
-          <a:blip r:embed="rId3"/>
-          <a:stretch>
-            <a:fillRect/>
-          </a:stretch>
-        </p:blipFill>
-        <p:spPr>
-          <a:xfrm>
-            <a:off x="2090057" y="1644207"/>
-            <a:ext cx="7265120" cy="3855811"/>
-          </a:xfrm>
-          <a:prstGeom prst="rect">
-            <a:avLst/>
-          </a:prstGeom>
-        </p:spPr>
-      </p:pic>
     </p:spTree>
   </p:cSld>
   <p:clrMapOvr>
@@ -7942,18 +7912,6 @@
 </file>
 
 <file path=customXml/item1.xml><?xml version="1.0" encoding="utf-8"?>
-<p:properties xmlns:p="http://schemas.microsoft.com/office/2006/metadata/properties" xmlns:xsi="http://www.w3.org/2001/XMLSchema-instance" xmlns:pc="http://schemas.microsoft.com/office/infopath/2007/PartnerControls">
-  <documentManagement>
-    <ReferenceId xmlns="949e0c8c-cceb-456a-9144-0af4fdad0b5c" xsi:nil="true"/>
-    <TaxCatchAll xmlns="ed9bec95-b259-4913-81c1-242e5ee17671" xsi:nil="true"/>
-    <lcf76f155ced4ddcb4097134ff3c332f xmlns="949e0c8c-cceb-456a-9144-0af4fdad0b5c">
-      <Terms xmlns="http://schemas.microsoft.com/office/infopath/2007/PartnerControls"/>
-    </lcf76f155ced4ddcb4097134ff3c332f>
-  </documentManagement>
-</p:properties>
-</file>
-
-<file path=customXml/item2.xml><?xml version="1.0" encoding="utf-8"?>
 <?mso-contentType ?>
 <FormTemplates xmlns="http://schemas.microsoft.com/sharepoint/v3/contenttype/forms">
   <Display>DocumentLibraryForm</Display>
@@ -7962,7 +7920,7 @@
 </FormTemplates>
 </file>
 
-<file path=customXml/item3.xml><?xml version="1.0" encoding="utf-8"?>
+<file path=customXml/item2.xml><?xml version="1.0" encoding="utf-8"?>
 <ct:contentTypeSchema xmlns:ct="http://schemas.microsoft.com/office/2006/metadata/contentType" xmlns:ma="http://schemas.microsoft.com/office/2006/metadata/properties/metaAttributes" ct:_="" ma:_="" ma:contentTypeName="Document" ma:contentTypeID="0x01010043D4D262FB70A94AAE39B513DC467346" ma:contentTypeVersion="9" ma:contentTypeDescription="Create a new document." ma:contentTypeScope="" ma:versionID="2483cec0799348f9de85dad5e88b6139">
   <xsd:schema xmlns:xsd="http://www.w3.org/2001/XMLSchema" xmlns:xs="http://www.w3.org/2001/XMLSchema" xmlns:p="http://schemas.microsoft.com/office/2006/metadata/properties" xmlns:ns2="949e0c8c-cceb-456a-9144-0af4fdad0b5c" xmlns:ns3="ed9bec95-b259-4913-81c1-242e5ee17671" targetNamespace="http://schemas.microsoft.com/office/2006/metadata/properties" ma:root="true" ma:fieldsID="90cf08e63a09d2003a6f723fb0152453" ns2:_="" ns3:_="">
     <xsd:import namespace="949e0c8c-cceb-456a-9144-0af4fdad0b5c"/>
@@ -8145,24 +8103,19 @@
 </ct:contentTypeSchema>
 </file>
 
-<file path=customXml/itemProps1.xml><?xml version="1.0" encoding="utf-8"?>
-<ds:datastoreItem xmlns:ds="http://schemas.openxmlformats.org/officeDocument/2006/customXml" ds:itemID="{D3E43842-9024-4A34-8C28-3EA5A3BEB66C}">
-  <ds:schemaRefs>
-    <ds:schemaRef ds:uri="http://schemas.microsoft.com/office/2006/metadata/properties"/>
-    <ds:schemaRef ds:uri="http://purl.org/dc/elements/1.1/"/>
-    <ds:schemaRef ds:uri="http://schemas.microsoft.com/office/infopath/2007/PartnerControls"/>
-    <ds:schemaRef ds:uri="http://schemas.microsoft.com/office/2006/documentManagement/types"/>
-    <ds:schemaRef ds:uri="http://www.w3.org/XML/1998/namespace"/>
-    <ds:schemaRef ds:uri="http://schemas.openxmlformats.org/package/2006/metadata/core-properties"/>
-    <ds:schemaRef ds:uri="949e0c8c-cceb-456a-9144-0af4fdad0b5c"/>
-    <ds:schemaRef ds:uri="ed9bec95-b259-4913-81c1-242e5ee17671"/>
-    <ds:schemaRef ds:uri="http://purl.org/dc/dcmitype/"/>
-    <ds:schemaRef ds:uri="http://purl.org/dc/terms/"/>
-  </ds:schemaRefs>
-</ds:datastoreItem>
+<file path=customXml/item3.xml><?xml version="1.0" encoding="utf-8"?>
+<p:properties xmlns:p="http://schemas.microsoft.com/office/2006/metadata/properties" xmlns:xsi="http://www.w3.org/2001/XMLSchema-instance" xmlns:pc="http://schemas.microsoft.com/office/infopath/2007/PartnerControls">
+  <documentManagement>
+    <ReferenceId xmlns="949e0c8c-cceb-456a-9144-0af4fdad0b5c" xsi:nil="true"/>
+    <TaxCatchAll xmlns="ed9bec95-b259-4913-81c1-242e5ee17671" xsi:nil="true"/>
+    <lcf76f155ced4ddcb4097134ff3c332f xmlns="949e0c8c-cceb-456a-9144-0af4fdad0b5c">
+      <Terms xmlns="http://schemas.microsoft.com/office/infopath/2007/PartnerControls"/>
+    </lcf76f155ced4ddcb4097134ff3c332f>
+  </documentManagement>
+</p:properties>
 </file>
 
-<file path=customXml/itemProps2.xml><?xml version="1.0" encoding="utf-8"?>
+<file path=customXml/itemProps1.xml><?xml version="1.0" encoding="utf-8"?>
 <ds:datastoreItem xmlns:ds="http://schemas.openxmlformats.org/officeDocument/2006/customXml" ds:itemID="{996D3308-852E-4C8B-B252-FF4AAFB3F53B}">
   <ds:schemaRefs>
     <ds:schemaRef ds:uri="http://schemas.microsoft.com/sharepoint/v3/contenttype/forms"/>
@@ -8170,7 +8123,7 @@
 </ds:datastoreItem>
 </file>
 
-<file path=customXml/itemProps3.xml><?xml version="1.0" encoding="utf-8"?>
+<file path=customXml/itemProps2.xml><?xml version="1.0" encoding="utf-8"?>
 <ds:datastoreItem xmlns:ds="http://schemas.openxmlformats.org/officeDocument/2006/customXml" ds:itemID="{6CC72755-0E12-405E-BF33-49216A54DD19}">
   <ds:schemaRefs>
     <ds:schemaRef ds:uri="http://schemas.microsoft.com/office/2006/metadata/contentType"/>
@@ -8187,4 +8140,21 @@
     <ds:schemaRef ds:uri="http://schemas.microsoft.com/internal/obd"/>
   </ds:schemaRefs>
 </ds:datastoreItem>
+</file>
+
+<file path=customXml/itemProps3.xml><?xml version="1.0" encoding="utf-8"?>
+<ds:datastoreItem xmlns:ds="http://schemas.openxmlformats.org/officeDocument/2006/customXml" ds:itemID="{D3E43842-9024-4A34-8C28-3EA5A3BEB66C}">
+  <ds:schemaRefs>
+    <ds:schemaRef ds:uri="http://www.w3.org/XML/1998/namespace"/>
+    <ds:schemaRef ds:uri="http://purl.org/dc/dcmitype/"/>
+    <ds:schemaRef ds:uri="http://schemas.microsoft.com/office/2006/metadata/properties"/>
+    <ds:schemaRef ds:uri="http://purl.org/dc/elements/1.1/"/>
+    <ds:schemaRef ds:uri="http://purl.org/dc/terms/"/>
+    <ds:schemaRef ds:uri="http://schemas.microsoft.com/office/infopath/2007/PartnerControls"/>
+    <ds:schemaRef ds:uri="http://schemas.microsoft.com/office/2006/documentManagement/types"/>
+    <ds:schemaRef ds:uri="http://schemas.openxmlformats.org/package/2006/metadata/core-properties"/>
+    <ds:schemaRef ds:uri="ed9bec95-b259-4913-81c1-242e5ee17671"/>
+    <ds:schemaRef ds:uri="949e0c8c-cceb-456a-9144-0af4fdad0b5c"/>
+  </ds:schemaRefs>
+</ds:datastoreItem>
 </file>